--- a/2023_jsm/figs/dag.pptx
+++ b/2023_jsm/figs/dag.pptx
@@ -262,7 +262,7 @@
           <a:p>
             <a:fld id="{C79AF42C-B26B-4C32-A5AB-A04DBFD71CC5}" type="datetimeFigureOut">
               <a:rPr lang="en-US" smtClean="0"/>
-              <a:t>8/7/2023</a:t>
+              <a:t>2/27/2025</a:t>
             </a:fld>
             <a:endParaRPr lang="en-US"/>
           </a:p>
@@ -460,7 +460,7 @@
           <a:p>
             <a:fld id="{C79AF42C-B26B-4C32-A5AB-A04DBFD71CC5}" type="datetimeFigureOut">
               <a:rPr lang="en-US" smtClean="0"/>
-              <a:t>8/7/2023</a:t>
+              <a:t>2/27/2025</a:t>
             </a:fld>
             <a:endParaRPr lang="en-US"/>
           </a:p>
@@ -668,7 +668,7 @@
           <a:p>
             <a:fld id="{C79AF42C-B26B-4C32-A5AB-A04DBFD71CC5}" type="datetimeFigureOut">
               <a:rPr lang="en-US" smtClean="0"/>
-              <a:t>8/7/2023</a:t>
+              <a:t>2/27/2025</a:t>
             </a:fld>
             <a:endParaRPr lang="en-US"/>
           </a:p>
@@ -866,7 +866,7 @@
           <a:p>
             <a:fld id="{C79AF42C-B26B-4C32-A5AB-A04DBFD71CC5}" type="datetimeFigureOut">
               <a:rPr lang="en-US" smtClean="0"/>
-              <a:t>8/7/2023</a:t>
+              <a:t>2/27/2025</a:t>
             </a:fld>
             <a:endParaRPr lang="en-US"/>
           </a:p>
@@ -1141,7 +1141,7 @@
           <a:p>
             <a:fld id="{C79AF42C-B26B-4C32-A5AB-A04DBFD71CC5}" type="datetimeFigureOut">
               <a:rPr lang="en-US" smtClean="0"/>
-              <a:t>8/7/2023</a:t>
+              <a:t>2/27/2025</a:t>
             </a:fld>
             <a:endParaRPr lang="en-US"/>
           </a:p>
@@ -1406,7 +1406,7 @@
           <a:p>
             <a:fld id="{C79AF42C-B26B-4C32-A5AB-A04DBFD71CC5}" type="datetimeFigureOut">
               <a:rPr lang="en-US" smtClean="0"/>
-              <a:t>8/7/2023</a:t>
+              <a:t>2/27/2025</a:t>
             </a:fld>
             <a:endParaRPr lang="en-US"/>
           </a:p>
@@ -1818,7 +1818,7 @@
           <a:p>
             <a:fld id="{C79AF42C-B26B-4C32-A5AB-A04DBFD71CC5}" type="datetimeFigureOut">
               <a:rPr lang="en-US" smtClean="0"/>
-              <a:t>8/7/2023</a:t>
+              <a:t>2/27/2025</a:t>
             </a:fld>
             <a:endParaRPr lang="en-US"/>
           </a:p>
@@ -1959,7 +1959,7 @@
           <a:p>
             <a:fld id="{C79AF42C-B26B-4C32-A5AB-A04DBFD71CC5}" type="datetimeFigureOut">
               <a:rPr lang="en-US" smtClean="0"/>
-              <a:t>8/7/2023</a:t>
+              <a:t>2/27/2025</a:t>
             </a:fld>
             <a:endParaRPr lang="en-US"/>
           </a:p>
@@ -2072,7 +2072,7 @@
           <a:p>
             <a:fld id="{C79AF42C-B26B-4C32-A5AB-A04DBFD71CC5}" type="datetimeFigureOut">
               <a:rPr lang="en-US" smtClean="0"/>
-              <a:t>8/7/2023</a:t>
+              <a:t>2/27/2025</a:t>
             </a:fld>
             <a:endParaRPr lang="en-US"/>
           </a:p>
@@ -2383,7 +2383,7 @@
           <a:p>
             <a:fld id="{C79AF42C-B26B-4C32-A5AB-A04DBFD71CC5}" type="datetimeFigureOut">
               <a:rPr lang="en-US" smtClean="0"/>
-              <a:t>8/7/2023</a:t>
+              <a:t>2/27/2025</a:t>
             </a:fld>
             <a:endParaRPr lang="en-US"/>
           </a:p>
@@ -2671,7 +2671,7 @@
           <a:p>
             <a:fld id="{C79AF42C-B26B-4C32-A5AB-A04DBFD71CC5}" type="datetimeFigureOut">
               <a:rPr lang="en-US" smtClean="0"/>
-              <a:t>8/7/2023</a:t>
+              <a:t>2/27/2025</a:t>
             </a:fld>
             <a:endParaRPr lang="en-US"/>
           </a:p>
@@ -2912,7 +2912,7 @@
           <a:p>
             <a:fld id="{C79AF42C-B26B-4C32-A5AB-A04DBFD71CC5}" type="datetimeFigureOut">
               <a:rPr lang="en-US" smtClean="0"/>
-              <a:t>8/7/2023</a:t>
+              <a:t>2/27/2025</a:t>
             </a:fld>
             <a:endParaRPr lang="en-US"/>
           </a:p>
@@ -3343,8 +3343,8 @@
         </p:nvSpPr>
         <p:spPr>
           <a:xfrm>
-            <a:off x="1879042" y="2753248"/>
-            <a:ext cx="1082348" cy="369332"/>
+            <a:off x="1654290" y="2356487"/>
+            <a:ext cx="1779654" cy="584775"/>
           </a:xfrm>
           <a:prstGeom prst="rect">
             <a:avLst/>
@@ -3358,13 +3358,13 @@
           <a:lstStyle/>
           <a:p>
             <a:r>
-              <a:rPr lang="es-BO" dirty="0">
+              <a:rPr lang="es-BO" sz="3200" dirty="0">
                 <a:latin typeface="Arial" panose="020B0604020202020204" pitchFamily="34" charset="0"/>
                 <a:cs typeface="Arial" panose="020B0604020202020204" pitchFamily="34" charset="0"/>
               </a:rPr>
               <a:t>Smoking</a:t>
             </a:r>
-            <a:endParaRPr lang="en-US" dirty="0">
+            <a:endParaRPr lang="en-US" sz="3200" dirty="0">
               <a:latin typeface="Arial" panose="020B0604020202020204" pitchFamily="34" charset="0"/>
               <a:cs typeface="Arial" panose="020B0604020202020204" pitchFamily="34" charset="0"/>
             </a:endParaRPr>
@@ -3385,8 +3385,8 @@
         </p:nvSpPr>
         <p:spPr>
           <a:xfrm>
-            <a:off x="3572022" y="2753248"/>
-            <a:ext cx="1153716" cy="369332"/>
+            <a:off x="4061055" y="2366535"/>
+            <a:ext cx="2258102" cy="584775"/>
           </a:xfrm>
           <a:prstGeom prst="rect">
             <a:avLst/>
@@ -3405,27 +3405,76 @@
           <a:lstStyle/>
           <a:p>
             <a:r>
-              <a:rPr lang="es-BO" dirty="0" err="1">
+              <a:rPr lang="es-BO" sz="3200" dirty="0">
                 <a:latin typeface="Arial" panose="020B0604020202020204" pitchFamily="34" charset="0"/>
                 <a:cs typeface="Arial" panose="020B0604020202020204" pitchFamily="34" charset="0"/>
               </a:rPr>
-              <a:t>Death</a:t>
-            </a:r>
-            <a:r>
-              <a:rPr lang="es-BO" dirty="0">
+              <a:t>Death </a:t>
+            </a:r>
+            <a:r>
+              <a:rPr lang="es-BO" sz="3200" baseline="-25000" dirty="0">
+                <a:latin typeface="Arial" panose="020B0604020202020204" pitchFamily="34" charset="0"/>
+                <a:cs typeface="Arial" panose="020B0604020202020204" pitchFamily="34" charset="0"/>
+              </a:rPr>
+              <a:t>(19)</a:t>
+            </a:r>
+            <a:endParaRPr lang="en-US" sz="3200" baseline="-25000" dirty="0">
+              <a:latin typeface="Arial" panose="020B0604020202020204" pitchFamily="34" charset="0"/>
+              <a:cs typeface="Arial" panose="020B0604020202020204" pitchFamily="34" charset="0"/>
+            </a:endParaRPr>
+          </a:p>
+        </p:txBody>
+      </p:sp>
+      <p:sp>
+        <p:nvSpPr>
+          <p:cNvPr id="4" name="TextBox 3">
+            <a:extLst>
+              <a:ext uri="{FF2B5EF4-FFF2-40B4-BE49-F238E27FC236}">
+                <a16:creationId xmlns:a16="http://schemas.microsoft.com/office/drawing/2014/main" id="{A2C1F707-9F51-4645-BFE3-EEFDB460C5AE}"/>
+              </a:ext>
+            </a:extLst>
+          </p:cNvPr>
+          <p:cNvSpPr txBox="1"/>
+          <p:nvPr/>
+        </p:nvSpPr>
+        <p:spPr>
+          <a:xfrm>
+            <a:off x="7418104" y="2356486"/>
+            <a:ext cx="2539478" cy="584775"/>
+          </a:xfrm>
+          <a:prstGeom prst="rect">
+            <a:avLst/>
+          </a:prstGeom>
+          <a:noFill/>
+        </p:spPr>
+        <p:txBody>
+          <a:bodyPr wrap="none" rtlCol="0">
+            <a:spAutoFit/>
+          </a:bodyPr>
+          <a:lstStyle/>
+          <a:p>
+            <a:r>
+              <a:rPr lang="es-BO" sz="3200" dirty="0" err="1">
+                <a:latin typeface="Arial" panose="020B0604020202020204" pitchFamily="34" charset="0"/>
+                <a:cs typeface="Arial" panose="020B0604020202020204" pitchFamily="34" charset="0"/>
+              </a:rPr>
+              <a:t>Dementia</a:t>
+            </a:r>
+            <a:r>
+              <a:rPr lang="es-BO" sz="3200" dirty="0">
                 <a:latin typeface="Arial" panose="020B0604020202020204" pitchFamily="34" charset="0"/>
                 <a:cs typeface="Arial" panose="020B0604020202020204" pitchFamily="34" charset="0"/>
               </a:rPr>
               <a:t> </a:t>
             </a:r>
             <a:r>
-              <a:rPr lang="es-BO" baseline="-25000" dirty="0">
+              <a:rPr lang="es-BO" sz="3200" baseline="-25000" dirty="0">
                 <a:latin typeface="Arial" panose="020B0604020202020204" pitchFamily="34" charset="0"/>
                 <a:cs typeface="Arial" panose="020B0604020202020204" pitchFamily="34" charset="0"/>
               </a:rPr>
-              <a:t>(19)</a:t>
-            </a:r>
-            <a:endParaRPr lang="en-US" baseline="-25000" dirty="0">
+              <a:t>(20)</a:t>
+            </a:r>
+            <a:endParaRPr lang="en-US" sz="3200" baseline="-25000" dirty="0">
               <a:latin typeface="Arial" panose="020B0604020202020204" pitchFamily="34" charset="0"/>
               <a:cs typeface="Arial" panose="020B0604020202020204" pitchFamily="34" charset="0"/>
             </a:endParaRPr>
@@ -3434,10 +3483,10 @@
       </p:sp>
       <p:sp>
         <p:nvSpPr>
-          <p:cNvPr id="4" name="TextBox 3">
-            <a:extLst>
-              <a:ext uri="{FF2B5EF4-FFF2-40B4-BE49-F238E27FC236}">
-                <a16:creationId xmlns:a16="http://schemas.microsoft.com/office/drawing/2014/main" id="{A2C1F707-9F51-4645-BFE3-EEFDB460C5AE}"/>
+          <p:cNvPr id="5" name="TextBox 4">
+            <a:extLst>
+              <a:ext uri="{FF2B5EF4-FFF2-40B4-BE49-F238E27FC236}">
+                <a16:creationId xmlns:a16="http://schemas.microsoft.com/office/drawing/2014/main" id="{27538579-5DE7-4282-A25D-FA6AF508B88F}"/>
               </a:ext>
             </a:extLst>
           </p:cNvPr>
@@ -3446,8 +3495,8 @@
         </p:nvSpPr>
         <p:spPr>
           <a:xfrm>
-            <a:off x="5340100" y="2753248"/>
-            <a:ext cx="1444626" cy="369332"/>
+            <a:off x="6596742" y="3462347"/>
+            <a:ext cx="547007" cy="584775"/>
           </a:xfrm>
           <a:prstGeom prst="rect">
             <a:avLst/>
@@ -3455,68 +3504,19 @@
           <a:noFill/>
         </p:spPr>
         <p:txBody>
-          <a:bodyPr wrap="none" rtlCol="0">
-            <a:spAutoFit/>
-          </a:bodyPr>
-          <a:lstStyle/>
-          <a:p>
-            <a:r>
-              <a:rPr lang="es-BO" dirty="0">
-                <a:latin typeface="Arial" panose="020B0604020202020204" pitchFamily="34" charset="0"/>
-                <a:cs typeface="Arial" panose="020B0604020202020204" pitchFamily="34" charset="0"/>
-              </a:rPr>
-              <a:t>Dementia</a:t>
-            </a:r>
-            <a:r>
-              <a:rPr lang="es-BO" baseline="-25000" dirty="0">
-                <a:latin typeface="Arial" panose="020B0604020202020204" pitchFamily="34" charset="0"/>
-                <a:cs typeface="Arial" panose="020B0604020202020204" pitchFamily="34" charset="0"/>
-              </a:rPr>
-              <a:t>(20)</a:t>
-            </a:r>
-            <a:endParaRPr lang="en-US" baseline="-25000" dirty="0">
-              <a:latin typeface="Arial" panose="020B0604020202020204" pitchFamily="34" charset="0"/>
-              <a:cs typeface="Arial" panose="020B0604020202020204" pitchFamily="34" charset="0"/>
-            </a:endParaRPr>
-          </a:p>
-        </p:txBody>
-      </p:sp>
-      <p:sp>
-        <p:nvSpPr>
-          <p:cNvPr id="5" name="TextBox 4">
-            <a:extLst>
-              <a:ext uri="{FF2B5EF4-FFF2-40B4-BE49-F238E27FC236}">
-                <a16:creationId xmlns:a16="http://schemas.microsoft.com/office/drawing/2014/main" id="{27538579-5DE7-4282-A25D-FA6AF508B88F}"/>
-              </a:ext>
-            </a:extLst>
-          </p:cNvPr>
-          <p:cNvSpPr txBox="1"/>
-          <p:nvPr/>
-        </p:nvSpPr>
-        <p:spPr>
-          <a:xfrm>
-            <a:off x="4725738" y="3349394"/>
-            <a:ext cx="338205" cy="369332"/>
-          </a:xfrm>
-          <a:prstGeom prst="rect">
-            <a:avLst/>
-          </a:prstGeom>
-          <a:noFill/>
-        </p:spPr>
-        <p:txBody>
           <a:bodyPr wrap="square" rtlCol="0">
             <a:spAutoFit/>
           </a:bodyPr>
           <a:lstStyle/>
           <a:p>
             <a:r>
-              <a:rPr lang="es-BO" b="1" dirty="0">
+              <a:rPr lang="es-BO" sz="3200" b="1" dirty="0">
                 <a:latin typeface="Arial" panose="020B0604020202020204" pitchFamily="34" charset="0"/>
                 <a:cs typeface="Arial" panose="020B0604020202020204" pitchFamily="34" charset="0"/>
               </a:rPr>
               <a:t>C</a:t>
             </a:r>
-            <a:endParaRPr lang="en-US" b="1" dirty="0">
+            <a:endParaRPr lang="en-US" sz="3200" b="1" dirty="0">
               <a:latin typeface="Arial" panose="020B0604020202020204" pitchFamily="34" charset="0"/>
               <a:cs typeface="Arial" panose="020B0604020202020204" pitchFamily="34" charset="0"/>
             </a:endParaRPr>
@@ -3525,64 +3525,23 @@
       </p:sp>
       <p:cxnSp>
         <p:nvCxnSpPr>
-          <p:cNvPr id="7" name="Straight Arrow Connector 6">
-            <a:extLst>
-              <a:ext uri="{FF2B5EF4-FFF2-40B4-BE49-F238E27FC236}">
-                <a16:creationId xmlns:a16="http://schemas.microsoft.com/office/drawing/2014/main" id="{73A1C9EE-44D3-41BD-BD9D-BB6C415034DC}"/>
+          <p:cNvPr id="8" name="Straight Arrow Connector 7">
+            <a:extLst>
+              <a:ext uri="{FF2B5EF4-FFF2-40B4-BE49-F238E27FC236}">
+                <a16:creationId xmlns:a16="http://schemas.microsoft.com/office/drawing/2014/main" id="{F2B76934-3F8D-4017-B8F1-ACCD2EA980A6}"/>
               </a:ext>
             </a:extLst>
           </p:cNvPr>
           <p:cNvCxnSpPr>
             <a:cxnSpLocks/>
-            <a:stCxn id="2" idx="3"/>
+            <a:endCxn id="4" idx="1"/>
           </p:cNvCxnSpPr>
           <p:nvPr/>
         </p:nvCxnSpPr>
         <p:spPr>
-          <a:xfrm>
-            <a:off x="2961390" y="2937914"/>
-            <a:ext cx="522915" cy="0"/>
-          </a:xfrm>
-          <a:prstGeom prst="straightConnector1">
-            <a:avLst/>
-          </a:prstGeom>
-          <a:ln w="12700">
-            <a:tailEnd type="triangle"/>
-          </a:ln>
-        </p:spPr>
-        <p:style>
-          <a:lnRef idx="1">
-            <a:schemeClr val="dk1"/>
-          </a:lnRef>
-          <a:fillRef idx="0">
-            <a:schemeClr val="dk1"/>
-          </a:fillRef>
-          <a:effectRef idx="0">
-            <a:schemeClr val="dk1"/>
-          </a:effectRef>
-          <a:fontRef idx="minor">
-            <a:schemeClr val="tx1"/>
-          </a:fontRef>
-        </p:style>
-      </p:cxnSp>
-      <p:cxnSp>
-        <p:nvCxnSpPr>
-          <p:cNvPr id="8" name="Straight Arrow Connector 7">
-            <a:extLst>
-              <a:ext uri="{FF2B5EF4-FFF2-40B4-BE49-F238E27FC236}">
-                <a16:creationId xmlns:a16="http://schemas.microsoft.com/office/drawing/2014/main" id="{F2B76934-3F8D-4017-B8F1-ACCD2EA980A6}"/>
-              </a:ext>
-            </a:extLst>
-          </p:cNvPr>
-          <p:cNvCxnSpPr>
-            <a:cxnSpLocks/>
-          </p:cNvCxnSpPr>
-          <p:nvPr/>
-        </p:nvCxnSpPr>
-        <p:spPr>
-          <a:xfrm>
-            <a:off x="4813455" y="2941262"/>
-            <a:ext cx="592415" cy="0"/>
+          <a:xfrm flipV="1">
+            <a:off x="6319157" y="2648874"/>
+            <a:ext cx="1098947" cy="10048"/>
           </a:xfrm>
           <a:prstGeom prst="straightConnector1">
             <a:avLst/>
@@ -3618,13 +3577,14 @@
           <p:cNvCxnSpPr>
             <a:cxnSpLocks/>
             <a:stCxn id="5" idx="1"/>
+            <a:endCxn id="3" idx="2"/>
           </p:cNvCxnSpPr>
           <p:nvPr/>
         </p:nvCxnSpPr>
         <p:spPr>
           <a:xfrm flipH="1" flipV="1">
-            <a:off x="4147392" y="3122580"/>
-            <a:ext cx="578346" cy="411480"/>
+            <a:off x="5190106" y="2951310"/>
+            <a:ext cx="1406636" cy="803425"/>
           </a:xfrm>
           <a:prstGeom prst="straightConnector1">
             <a:avLst/>
@@ -3659,6 +3619,7 @@
             </a:extLst>
           </p:cNvPr>
           <p:cNvCxnSpPr>
+            <a:cxnSpLocks/>
             <a:stCxn id="2" idx="0"/>
             <a:endCxn id="4" idx="0"/>
           </p:cNvCxnSpPr>
@@ -3666,12 +3627,12 @@
         </p:nvCxnSpPr>
         <p:spPr>
           <a:xfrm rot="5400000" flipH="1" flipV="1">
-            <a:off x="4241314" y="932150"/>
-            <a:ext cx="12700" cy="3642197"/>
+            <a:off x="5615980" y="-715376"/>
+            <a:ext cx="1" cy="6143726"/>
           </a:xfrm>
           <a:prstGeom prst="curvedConnector3">
             <a:avLst>
-              <a:gd name="adj1" fmla="val 1800000"/>
+              <a:gd name="adj1" fmla="val 22860100000"/>
             </a:avLst>
           </a:prstGeom>
           <a:ln w="12700">
@@ -3704,13 +3665,14 @@
           </p:cNvPr>
           <p:cNvCxnSpPr>
             <a:cxnSpLocks/>
+            <a:stCxn id="5" idx="3"/>
           </p:cNvCxnSpPr>
           <p:nvPr/>
         </p:nvCxnSpPr>
         <p:spPr>
           <a:xfrm flipV="1">
-            <a:off x="5063943" y="3122579"/>
-            <a:ext cx="578346" cy="411480"/>
+            <a:off x="7143749" y="2936237"/>
+            <a:ext cx="1306287" cy="818498"/>
           </a:xfrm>
           <a:prstGeom prst="straightConnector1">
             <a:avLst/>
@@ -3841,18 +3803,11 @@
           <a:lstStyle/>
           <a:p>
             <a:r>
-              <a:rPr lang="es-BO" dirty="0" err="1">
-                <a:latin typeface="Arial" panose="020B0604020202020204" pitchFamily="34" charset="0"/>
-                <a:cs typeface="Arial" panose="020B0604020202020204" pitchFamily="34" charset="0"/>
-              </a:rPr>
-              <a:t>Death</a:t>
-            </a:r>
-            <a:r>
               <a:rPr lang="es-BO" dirty="0">
                 <a:latin typeface="Arial" panose="020B0604020202020204" pitchFamily="34" charset="0"/>
                 <a:cs typeface="Arial" panose="020B0604020202020204" pitchFamily="34" charset="0"/>
               </a:rPr>
-              <a:t> </a:t>
+              <a:t>Death </a:t>
             </a:r>
             <a:r>
               <a:rPr lang="es-BO" baseline="-25000" dirty="0">
@@ -4297,18 +4252,11 @@
           <a:lstStyle/>
           <a:p>
             <a:r>
-              <a:rPr lang="es-BO" dirty="0" err="1">
-                <a:latin typeface="Arial" panose="020B0604020202020204" pitchFamily="34" charset="0"/>
-                <a:cs typeface="Arial" panose="020B0604020202020204" pitchFamily="34" charset="0"/>
-              </a:rPr>
-              <a:t>Death</a:t>
-            </a:r>
-            <a:r>
               <a:rPr lang="es-BO" dirty="0">
                 <a:latin typeface="Arial" panose="020B0604020202020204" pitchFamily="34" charset="0"/>
                 <a:cs typeface="Arial" panose="020B0604020202020204" pitchFamily="34" charset="0"/>
               </a:rPr>
-              <a:t> </a:t>
+              <a:t>Death </a:t>
             </a:r>
             <a:r>
               <a:rPr lang="es-BO" baseline="-25000" dirty="0">
@@ -4737,18 +4685,11 @@
           <a:lstStyle/>
           <a:p>
             <a:r>
-              <a:rPr lang="es-BO" dirty="0" err="1">
-                <a:latin typeface="Arial" panose="020B0604020202020204" pitchFamily="34" charset="0"/>
-                <a:cs typeface="Arial" panose="020B0604020202020204" pitchFamily="34" charset="0"/>
-              </a:rPr>
-              <a:t>Death</a:t>
-            </a:r>
-            <a:r>
               <a:rPr lang="es-BO" dirty="0">
                 <a:latin typeface="Arial" panose="020B0604020202020204" pitchFamily="34" charset="0"/>
                 <a:cs typeface="Arial" panose="020B0604020202020204" pitchFamily="34" charset="0"/>
               </a:rPr>
-              <a:t> </a:t>
+              <a:t>Death </a:t>
             </a:r>
             <a:r>
               <a:rPr lang="es-BO" baseline="-25000" dirty="0">
